--- a/impm.pptx
+++ b/impm.pptx
@@ -3456,22 +3456,28 @@
       </p:sp>
       <p:pic>
         <p:nvPicPr>
-          <p:cNvPr id="5" name="Picture 4"/>
+          <p:cNvPr id="6" name="Picture 5"/>
           <p:cNvPicPr>
             <a:picLocks noChangeAspect="1"/>
           </p:cNvPicPr>
           <p:nvPr/>
         </p:nvPicPr>
         <p:blipFill>
-          <a:blip r:embed="rId2"/>
+          <a:blip r:embed="rId2">
+            <a:extLst>
+              <a:ext uri="{28A0092B-C50C-407E-A947-70E740481C1C}">
+                <a14:useLocalDpi xmlns:a14="http://schemas.microsoft.com/office/drawing/2010/main" val="0"/>
+              </a:ext>
+            </a:extLst>
+          </a:blip>
           <a:stretch>
             <a:fillRect/>
           </a:stretch>
         </p:blipFill>
         <p:spPr>
           <a:xfrm>
-            <a:off x="683568" y="2348880"/>
-            <a:ext cx="6934199" cy="2895601"/>
+            <a:off x="1115616" y="2420888"/>
+            <a:ext cx="5468113" cy="2214563"/>
           </a:xfrm>
           <a:prstGeom prst="rect">
             <a:avLst/>
@@ -5179,6 +5185,13 @@
   <p:clrMapOvr>
     <a:masterClrMapping/>
   </p:clrMapOvr>
+  <p:timing>
+    <p:tnLst>
+      <p:par>
+        <p:cTn id="1" dur="indefinite" restart="never" nodeType="tmRoot"/>
+      </p:par>
+    </p:tnLst>
+  </p:timing>
 </p:sld>
 </file>
 

--- a/impm.pptx
+++ b/impm.pptx
@@ -3361,7 +3361,7 @@
         <p:spPr/>
         <p:txBody>
           <a:bodyPr>
-            <a:normAutofit fontScale="85000" lnSpcReduction="20000"/>
+            <a:normAutofit fontScale="92500" lnSpcReduction="20000"/>
           </a:bodyPr>
           <a:lstStyle/>
           <a:p>
@@ -3427,26 +3427,12 @@
           </a:p>
           <a:p>
             <a:r>
+              <a:rPr lang="en-IN" dirty="0" smtClean="0"/>
+              <a:t>Customer </a:t>
+            </a:r>
+            <a:r>
               <a:rPr lang="en-IN" dirty="0"/>
-              <a:t>Ticket update should happen </a:t>
-            </a:r>
-            <a:r>
-              <a:rPr lang="en-IN" dirty="0" err="1"/>
-              <a:t>atleast</a:t>
-            </a:r>
-            <a:r>
-              <a:rPr lang="en-IN" dirty="0"/>
-              <a:t> with a minimum frequency of 4 days either in customer communication field or in work notes of </a:t>
-            </a:r>
-            <a:r>
-              <a:rPr lang="en-IN" dirty="0" smtClean="0"/>
-              <a:t>SNOW</a:t>
-            </a:r>
-          </a:p>
-          <a:p>
-            <a:r>
-              <a:rPr lang="en-IN" dirty="0"/>
-              <a:t>Customer needs to be kept informed on the progress at regular intervals through customer communication field in SNOW</a:t>
+              <a:t>needs to be kept informed on the progress at regular intervals through customer communication field in SNOW</a:t>
             </a:r>
           </a:p>
           <a:p>
@@ -3638,7 +3624,11 @@
           <a:p>
             <a:r>
               <a:rPr lang="en-IN" dirty="0" smtClean="0"/>
-              <a:t>ICM – Waiting for Customer</a:t>
+              <a:t>IMP </a:t>
+            </a:r>
+            <a:r>
+              <a:rPr lang="en-IN" dirty="0" smtClean="0"/>
+              <a:t>– Waiting for Customer</a:t>
             </a:r>
             <a:endParaRPr lang="en-IN" dirty="0"/>
           </a:p>

--- a/impm.pptx
+++ b/impm.pptx
@@ -3624,11 +3624,11 @@
           <a:p>
             <a:r>
               <a:rPr lang="en-IN" dirty="0" smtClean="0"/>
-              <a:t>IMP </a:t>
-            </a:r>
-            <a:r>
-              <a:rPr lang="en-IN" dirty="0" smtClean="0"/>
-              <a:t>– Waiting for Customer</a:t>
+              <a:t> </a:t>
+            </a:r>
+            <a:r>
+              <a:rPr lang="en-IN" dirty="0" smtClean="0"/>
+              <a:t>Waiting for Customer</a:t>
             </a:r>
             <a:endParaRPr lang="en-IN" dirty="0"/>
           </a:p>
@@ -3848,7 +3848,11 @@
           <a:p>
             <a:r>
               <a:rPr lang="en-IN" dirty="0" smtClean="0"/>
-              <a:t>ICM – Waiting For Dependency</a:t>
+              <a:t>Waiting </a:t>
+            </a:r>
+            <a:r>
+              <a:rPr lang="en-IN" dirty="0" smtClean="0"/>
+              <a:t>For Dependency</a:t>
             </a:r>
             <a:endParaRPr lang="en-IN" dirty="0"/>
           </a:p>
@@ -4356,7 +4360,7 @@
           <a:p>
             <a:r>
               <a:rPr lang="en-IN" dirty="0" smtClean="0"/>
-              <a:t>If there is any issue with the </a:t>
+              <a:t>If there is any issue with the product</a:t>
             </a:r>
           </a:p>
           <a:p>
